--- a/Case presentatie~4.pptx
+++ b/Case presentatie~4.pptx
@@ -9,14 +9,15 @@
     <p:sldId id="257" r:id="rId3"/>
     <p:sldId id="258" r:id="rId4"/>
     <p:sldId id="261" r:id="rId5"/>
-    <p:sldId id="270" r:id="rId6"/>
-    <p:sldId id="262" r:id="rId7"/>
-    <p:sldId id="263" r:id="rId8"/>
-    <p:sldId id="271" r:id="rId9"/>
-    <p:sldId id="265" r:id="rId10"/>
-    <p:sldId id="269" r:id="rId11"/>
-    <p:sldId id="260" r:id="rId12"/>
-    <p:sldId id="268" r:id="rId13"/>
+    <p:sldId id="272" r:id="rId6"/>
+    <p:sldId id="273" r:id="rId7"/>
+    <p:sldId id="262" r:id="rId8"/>
+    <p:sldId id="263" r:id="rId9"/>
+    <p:sldId id="271" r:id="rId10"/>
+    <p:sldId id="265" r:id="rId11"/>
+    <p:sldId id="269" r:id="rId12"/>
+    <p:sldId id="260" r:id="rId13"/>
+    <p:sldId id="268" r:id="rId14"/>
   </p:sldIdLst>
   <p:sldSz cx="9144000" cy="6858000" type="screen4x3"/>
   <p:notesSz cx="6858000" cy="9144000"/>
@@ -3123,7 +3124,7 @@
           <a:p>
             <a:r>
               <a:rPr lang="nl-NL" dirty="0" smtClean="0"/>
-              <a:t>Case presentatie</a:t>
+              <a:t>Kaartspellen online</a:t>
             </a:r>
             <a:endParaRPr lang="nl-NL" dirty="0"/>
           </a:p>
@@ -3139,19 +3140,152 @@
             <p:ph type="subTitle" idx="1"/>
           </p:nvPr>
         </p:nvSpPr>
-        <p:spPr/>
+        <p:spPr>
+          <a:xfrm>
+            <a:off x="1367136" y="3429000"/>
+            <a:ext cx="6400800" cy="1752600"/>
+          </a:xfrm>
+        </p:spPr>
         <p:txBody>
           <a:bodyPr/>
           <a:lstStyle/>
           <a:p>
             <a:r>
-              <a:rPr lang="nl-NL" dirty="0" smtClean="0"/>
+              <a:rPr lang="nl-NL" dirty="0" smtClean="0">
+                <a:solidFill>
+                  <a:schemeClr val="accent6"/>
+                </a:solidFill>
+              </a:rPr>
               <a:t>Alice de Vries &amp; Lennart Popma</a:t>
             </a:r>
-            <a:endParaRPr lang="nl-NL" dirty="0"/>
-          </a:p>
-        </p:txBody>
-      </p:sp>
+            <a:endParaRPr lang="nl-NL" dirty="0">
+              <a:solidFill>
+                <a:schemeClr val="accent6"/>
+              </a:solidFill>
+            </a:endParaRPr>
+          </a:p>
+        </p:txBody>
+      </p:sp>
+      <p:pic>
+        <p:nvPicPr>
+          <p:cNvPr id="4" name="Afbeelding 3" descr="Schermopname"/>
+          <p:cNvPicPr>
+            <a:picLocks noChangeAspect="1"/>
+          </p:cNvPicPr>
+          <p:nvPr/>
+        </p:nvPicPr>
+        <p:blipFill>
+          <a:blip r:embed="rId2" cstate="print">
+            <a:extLst>
+              <a:ext uri="{28A0092B-C50C-407E-A947-70E740481C1C}">
+                <a14:useLocalDpi xmlns:a14="http://schemas.microsoft.com/office/drawing/2010/main" val="0"/>
+              </a:ext>
+            </a:extLst>
+          </a:blip>
+          <a:stretch>
+            <a:fillRect/>
+          </a:stretch>
+        </p:blipFill>
+        <p:spPr>
+          <a:xfrm>
+            <a:off x="7801669" y="4941168"/>
+            <a:ext cx="1259632" cy="1829993"/>
+          </a:xfrm>
+          <a:prstGeom prst="rect">
+            <a:avLst/>
+          </a:prstGeom>
+        </p:spPr>
+      </p:pic>
+      <p:pic>
+        <p:nvPicPr>
+          <p:cNvPr id="5" name="Afbeelding 4" descr="Schermopname"/>
+          <p:cNvPicPr>
+            <a:picLocks noChangeAspect="1"/>
+          </p:cNvPicPr>
+          <p:nvPr/>
+        </p:nvPicPr>
+        <p:blipFill>
+          <a:blip r:embed="rId2" cstate="print">
+            <a:extLst>
+              <a:ext uri="{28A0092B-C50C-407E-A947-70E740481C1C}">
+                <a14:useLocalDpi xmlns:a14="http://schemas.microsoft.com/office/drawing/2010/main" val="0"/>
+              </a:ext>
+            </a:extLst>
+          </a:blip>
+          <a:stretch>
+            <a:fillRect/>
+          </a:stretch>
+        </p:blipFill>
+        <p:spPr>
+          <a:xfrm>
+            <a:off x="7801669" y="116632"/>
+            <a:ext cx="1259632" cy="1829993"/>
+          </a:xfrm>
+          <a:prstGeom prst="rect">
+            <a:avLst/>
+          </a:prstGeom>
+        </p:spPr>
+      </p:pic>
+      <p:pic>
+        <p:nvPicPr>
+          <p:cNvPr id="6" name="Afbeelding 5" descr="Schermopname"/>
+          <p:cNvPicPr>
+            <a:picLocks noChangeAspect="1"/>
+          </p:cNvPicPr>
+          <p:nvPr/>
+        </p:nvPicPr>
+        <p:blipFill>
+          <a:blip r:embed="rId2" cstate="print">
+            <a:extLst>
+              <a:ext uri="{28A0092B-C50C-407E-A947-70E740481C1C}">
+                <a14:useLocalDpi xmlns:a14="http://schemas.microsoft.com/office/drawing/2010/main" val="0"/>
+              </a:ext>
+            </a:extLst>
+          </a:blip>
+          <a:stretch>
+            <a:fillRect/>
+          </a:stretch>
+        </p:blipFill>
+        <p:spPr>
+          <a:xfrm>
+            <a:off x="107504" y="116632"/>
+            <a:ext cx="1259632" cy="1829993"/>
+          </a:xfrm>
+          <a:prstGeom prst="rect">
+            <a:avLst/>
+          </a:prstGeom>
+        </p:spPr>
+      </p:pic>
+      <p:pic>
+        <p:nvPicPr>
+          <p:cNvPr id="7" name="Afbeelding 6" descr="Schermopname"/>
+          <p:cNvPicPr>
+            <a:picLocks noChangeAspect="1"/>
+          </p:cNvPicPr>
+          <p:nvPr/>
+        </p:nvPicPr>
+        <p:blipFill>
+          <a:blip r:embed="rId2" cstate="print">
+            <a:extLst>
+              <a:ext uri="{28A0092B-C50C-407E-A947-70E740481C1C}">
+                <a14:useLocalDpi xmlns:a14="http://schemas.microsoft.com/office/drawing/2010/main" val="0"/>
+              </a:ext>
+            </a:extLst>
+          </a:blip>
+          <a:stretch>
+            <a:fillRect/>
+          </a:stretch>
+        </p:blipFill>
+        <p:spPr>
+          <a:xfrm>
+            <a:off x="82824" y="4941168"/>
+            <a:ext cx="1259632" cy="1829993"/>
+          </a:xfrm>
+          <a:prstGeom prst="rect">
+            <a:avLst/>
+          </a:prstGeom>
+        </p:spPr>
+      </p:pic>
     </p:spTree>
     <p:extLst>
       <p:ext uri="{BB962C8B-B14F-4D97-AF65-F5344CB8AC3E}">
@@ -3201,7 +3335,7 @@
         </p:nvSpPr>
         <p:spPr>
           <a:xfrm>
-            <a:off x="234628" y="305222"/>
+            <a:off x="234628" y="2670820"/>
             <a:ext cx="7772400" cy="819522"/>
           </a:xfrm>
         </p:spPr>
@@ -3214,11 +3348,7 @@
             <a:pPr algn="l"/>
             <a:r>
               <a:rPr lang="nl-NL" sz="3600" dirty="0" smtClean="0"/>
-              <a:t>Klaverjassen | </a:t>
-            </a:r>
-            <a:r>
-              <a:rPr lang="nl-NL" sz="3600" dirty="0" err="1" smtClean="0"/>
-              <a:t>JavaScript</a:t>
+              <a:t>Klaverjassen</a:t>
             </a:r>
             <a:endParaRPr lang="nl-NL" sz="3600" dirty="0"/>
           </a:p>
@@ -3232,7 +3362,7 @@
         </p:nvCxnSpPr>
         <p:spPr>
           <a:xfrm>
-            <a:off x="323528" y="1052736"/>
+            <a:off x="323528" y="3418334"/>
             <a:ext cx="8568952" cy="0"/>
           </a:xfrm>
           <a:prstGeom prst="line">
@@ -3254,57 +3384,10 @@
           </a:fontRef>
         </p:style>
       </p:cxnSp>
-      <p:sp>
-        <p:nvSpPr>
-          <p:cNvPr id="9" name="Titel 1"/>
-          <p:cNvSpPr txBox="1">
-            <a:spLocks/>
-          </p:cNvSpPr>
-          <p:nvPr/>
-        </p:nvSpPr>
-        <p:spPr>
-          <a:xfrm>
-            <a:off x="252239" y="1133852"/>
-            <a:ext cx="3931146" cy="409761"/>
-          </a:xfrm>
-          <a:prstGeom prst="rect">
-            <a:avLst/>
-          </a:prstGeom>
-        </p:spPr>
-        <p:txBody>
-          <a:bodyPr vert="horz" lIns="91440" tIns="45720" rIns="91440" bIns="45720" rtlCol="0" anchor="ctr">
-            <a:normAutofit/>
-          </a:bodyPr>
-          <a:lstStyle>
-            <a:lvl1pPr algn="ctr" defTabSz="914400" rtl="0" eaLnBrk="1" latinLnBrk="0" hangingPunct="1">
-              <a:spcBef>
-                <a:spcPct val="0"/>
-              </a:spcBef>
-              <a:buNone/>
-              <a:defRPr sz="4400" kern="1200">
-                <a:solidFill>
-                  <a:schemeClr val="tx1"/>
-                </a:solidFill>
-                <a:latin typeface="+mj-lt"/>
-                <a:ea typeface="+mj-ea"/>
-                <a:cs typeface="+mj-cs"/>
-              </a:defRPr>
-            </a:lvl1pPr>
-          </a:lstStyle>
-          <a:p>
-            <a:pPr algn="l"/>
-            <a:r>
-              <a:rPr lang="nl-NL" sz="1600" dirty="0" err="1" smtClean="0"/>
-              <a:t>aaa</a:t>
-            </a:r>
-            <a:endParaRPr lang="nl-NL" sz="1600" dirty="0"/>
-          </a:p>
-        </p:txBody>
-      </p:sp>
     </p:spTree>
     <p:extLst>
       <p:ext uri="{BB962C8B-B14F-4D97-AF65-F5344CB8AC3E}">
-        <p14:creationId xmlns:p14="http://schemas.microsoft.com/office/powerpoint/2010/main" val="1525704471"/>
+        <p14:creationId xmlns:p14="http://schemas.microsoft.com/office/powerpoint/2010/main" val="752208778"/>
       </p:ext>
     </p:extLst>
   </p:cSld>
@@ -3363,6 +3446,344 @@
             <a:pPr algn="l"/>
             <a:r>
               <a:rPr lang="nl-NL" sz="3600" dirty="0" smtClean="0"/>
+              <a:t>Klaverjassen | </a:t>
+            </a:r>
+            <a:r>
+              <a:rPr lang="nl-NL" sz="3600" dirty="0" err="1" smtClean="0"/>
+              <a:t>JavaScript</a:t>
+            </a:r>
+            <a:endParaRPr lang="nl-NL" sz="3600" dirty="0"/>
+          </a:p>
+        </p:txBody>
+      </p:sp>
+      <p:cxnSp>
+        <p:nvCxnSpPr>
+          <p:cNvPr id="5" name="Rechte verbindingslijn 4"/>
+          <p:cNvCxnSpPr/>
+          <p:nvPr/>
+        </p:nvCxnSpPr>
+        <p:spPr>
+          <a:xfrm>
+            <a:off x="323528" y="1052736"/>
+            <a:ext cx="8568952" cy="0"/>
+          </a:xfrm>
+          <a:prstGeom prst="line">
+            <a:avLst/>
+          </a:prstGeom>
+        </p:spPr>
+        <p:style>
+          <a:lnRef idx="1">
+            <a:schemeClr val="accent1"/>
+          </a:lnRef>
+          <a:fillRef idx="0">
+            <a:schemeClr val="accent1"/>
+          </a:fillRef>
+          <a:effectRef idx="0">
+            <a:schemeClr val="accent1"/>
+          </a:effectRef>
+          <a:fontRef idx="minor">
+            <a:schemeClr val="tx1"/>
+          </a:fontRef>
+        </p:style>
+      </p:cxnSp>
+      <p:pic>
+        <p:nvPicPr>
+          <p:cNvPr id="6" name="Afbeelding 5" descr="Schermopname"/>
+          <p:cNvPicPr>
+            <a:picLocks noChangeAspect="1"/>
+          </p:cNvPicPr>
+          <p:nvPr/>
+        </p:nvPicPr>
+        <p:blipFill rotWithShape="1">
+          <a:blip r:embed="rId2">
+            <a:extLst>
+              <a:ext uri="{28A0092B-C50C-407E-A947-70E740481C1C}">
+                <a14:useLocalDpi xmlns:a14="http://schemas.microsoft.com/office/drawing/2010/main" val="0"/>
+              </a:ext>
+            </a:extLst>
+          </a:blip>
+          <a:srcRect t="22260"/>
+          <a:stretch/>
+        </p:blipFill>
+        <p:spPr>
+          <a:xfrm>
+            <a:off x="320502" y="1253339"/>
+            <a:ext cx="7779890" cy="5127989"/>
+          </a:xfrm>
+          <a:prstGeom prst="rect">
+            <a:avLst/>
+          </a:prstGeom>
+          <a:ln>
+            <a:solidFill>
+              <a:srgbClr val="0062C4"/>
+            </a:solidFill>
+          </a:ln>
+        </p:spPr>
+      </p:pic>
+      <p:pic>
+        <p:nvPicPr>
+          <p:cNvPr id="7" name="Afbeelding 6" descr="Schermopname"/>
+          <p:cNvPicPr>
+            <a:picLocks noChangeAspect="1"/>
+          </p:cNvPicPr>
+          <p:nvPr/>
+        </p:nvPicPr>
+        <p:blipFill rotWithShape="1">
+          <a:blip r:embed="rId2">
+            <a:extLst>
+              <a:ext uri="{28A0092B-C50C-407E-A947-70E740481C1C}">
+                <a14:useLocalDpi xmlns:a14="http://schemas.microsoft.com/office/drawing/2010/main" val="0"/>
+              </a:ext>
+            </a:extLst>
+          </a:blip>
+          <a:srcRect l="5180" t="2513" r="49805" b="79080"/>
+          <a:stretch/>
+        </p:blipFill>
+        <p:spPr>
+          <a:xfrm>
+            <a:off x="4408462" y="2276590"/>
+            <a:ext cx="4564088" cy="1582351"/>
+          </a:xfrm>
+          <a:prstGeom prst="rect">
+            <a:avLst/>
+          </a:prstGeom>
+          <a:ln>
+            <a:solidFill>
+              <a:srgbClr val="00B0F0"/>
+            </a:solidFill>
+          </a:ln>
+        </p:spPr>
+      </p:pic>
+      <p:sp>
+        <p:nvSpPr>
+          <p:cNvPr id="3" name="Stroomdiagram: Proces 2"/>
+          <p:cNvSpPr/>
+          <p:nvPr/>
+        </p:nvSpPr>
+        <p:spPr>
+          <a:xfrm>
+            <a:off x="1547665" y="1916832"/>
+            <a:ext cx="2662386" cy="312018"/>
+          </a:xfrm>
+          <a:prstGeom prst="flowChartProcess">
+            <a:avLst/>
+          </a:prstGeom>
+          <a:noFill/>
+          <a:ln w="12700">
+            <a:solidFill>
+              <a:srgbClr val="00B0F0"/>
+            </a:solidFill>
+          </a:ln>
+        </p:spPr>
+        <p:style>
+          <a:lnRef idx="2">
+            <a:schemeClr val="accent1">
+              <a:shade val="50000"/>
+            </a:schemeClr>
+          </a:lnRef>
+          <a:fillRef idx="1">
+            <a:schemeClr val="accent1"/>
+          </a:fillRef>
+          <a:effectRef idx="0">
+            <a:schemeClr val="accent1"/>
+          </a:effectRef>
+          <a:fontRef idx="minor">
+            <a:schemeClr val="lt1"/>
+          </a:fontRef>
+        </p:style>
+        <p:txBody>
+          <a:bodyPr rtlCol="0" anchor="ctr"/>
+          <a:lstStyle/>
+          <a:p>
+            <a:pPr algn="ctr"/>
+            <a:endParaRPr lang="nl-NL"/>
+          </a:p>
+        </p:txBody>
+      </p:sp>
+      <p:sp>
+        <p:nvSpPr>
+          <p:cNvPr id="8" name="Stroomdiagram: Proces 7"/>
+          <p:cNvSpPr/>
+          <p:nvPr/>
+        </p:nvSpPr>
+        <p:spPr>
+          <a:xfrm>
+            <a:off x="1547664" y="4149080"/>
+            <a:ext cx="6480720" cy="648072"/>
+          </a:xfrm>
+          <a:prstGeom prst="flowChartProcess">
+            <a:avLst/>
+          </a:prstGeom>
+          <a:noFill/>
+          <a:ln w="12700">
+            <a:solidFill>
+              <a:srgbClr val="00B0F0"/>
+            </a:solidFill>
+          </a:ln>
+        </p:spPr>
+        <p:style>
+          <a:lnRef idx="2">
+            <a:schemeClr val="accent1">
+              <a:shade val="50000"/>
+            </a:schemeClr>
+          </a:lnRef>
+          <a:fillRef idx="1">
+            <a:schemeClr val="accent1"/>
+          </a:fillRef>
+          <a:effectRef idx="0">
+            <a:schemeClr val="accent1"/>
+          </a:effectRef>
+          <a:fontRef idx="minor">
+            <a:schemeClr val="lt1"/>
+          </a:fontRef>
+        </p:style>
+        <p:txBody>
+          <a:bodyPr rtlCol="0" anchor="ctr"/>
+          <a:lstStyle/>
+          <a:p>
+            <a:pPr algn="ctr"/>
+            <a:endParaRPr lang="nl-NL"/>
+          </a:p>
+        </p:txBody>
+      </p:sp>
+      <p:cxnSp>
+        <p:nvCxnSpPr>
+          <p:cNvPr id="10" name="Rechte verbindingslijn 9"/>
+          <p:cNvCxnSpPr>
+            <a:stCxn id="7" idx="0"/>
+            <a:endCxn id="3" idx="3"/>
+          </p:cNvCxnSpPr>
+          <p:nvPr/>
+        </p:nvCxnSpPr>
+        <p:spPr>
+          <a:xfrm flipH="1" flipV="1">
+            <a:off x="4210051" y="2072841"/>
+            <a:ext cx="2480455" cy="203749"/>
+          </a:xfrm>
+          <a:prstGeom prst="line">
+            <a:avLst/>
+          </a:prstGeom>
+          <a:ln>
+            <a:solidFill>
+              <a:srgbClr val="00B0F0"/>
+            </a:solidFill>
+          </a:ln>
+        </p:spPr>
+        <p:style>
+          <a:lnRef idx="1">
+            <a:schemeClr val="accent1"/>
+          </a:lnRef>
+          <a:fillRef idx="0">
+            <a:schemeClr val="accent1"/>
+          </a:fillRef>
+          <a:effectRef idx="0">
+            <a:schemeClr val="accent1"/>
+          </a:effectRef>
+          <a:fontRef idx="minor">
+            <a:schemeClr val="tx1"/>
+          </a:fontRef>
+        </p:style>
+      </p:cxnSp>
+      <p:cxnSp>
+        <p:nvCxnSpPr>
+          <p:cNvPr id="12" name="Rechte verbindingslijn 11"/>
+          <p:cNvCxnSpPr>
+            <a:stCxn id="7" idx="2"/>
+            <a:endCxn id="8" idx="0"/>
+          </p:cNvCxnSpPr>
+          <p:nvPr/>
+        </p:nvCxnSpPr>
+        <p:spPr>
+          <a:xfrm flipH="1">
+            <a:off x="4788024" y="3858941"/>
+            <a:ext cx="1902482" cy="290139"/>
+          </a:xfrm>
+          <a:prstGeom prst="line">
+            <a:avLst/>
+          </a:prstGeom>
+          <a:ln>
+            <a:solidFill>
+              <a:srgbClr val="00B0F0"/>
+            </a:solidFill>
+          </a:ln>
+        </p:spPr>
+        <p:style>
+          <a:lnRef idx="1">
+            <a:schemeClr val="accent1"/>
+          </a:lnRef>
+          <a:fillRef idx="0">
+            <a:schemeClr val="accent1"/>
+          </a:fillRef>
+          <a:effectRef idx="0">
+            <a:schemeClr val="accent1"/>
+          </a:effectRef>
+          <a:fontRef idx="minor">
+            <a:schemeClr val="tx1"/>
+          </a:fontRef>
+        </p:style>
+      </p:cxnSp>
+    </p:spTree>
+    <p:extLst>
+      <p:ext uri="{BB962C8B-B14F-4D97-AF65-F5344CB8AC3E}">
+        <p14:creationId xmlns:p14="http://schemas.microsoft.com/office/powerpoint/2010/main" val="1525704471"/>
+      </p:ext>
+    </p:extLst>
+  </p:cSld>
+  <p:clrMapOvr>
+    <a:masterClrMapping/>
+  </p:clrMapOvr>
+  <p:timing>
+    <p:tnLst>
+      <p:par>
+        <p:cTn id="1" dur="indefinite" restart="never" nodeType="tmRoot"/>
+      </p:par>
+    </p:tnLst>
+  </p:timing>
+</p:sld>
+</file>
+
+<file path=ppt/slides/slide12.xml><?xml version="1.0" encoding="utf-8"?>
+<p:sld xmlns:a="http://schemas.openxmlformats.org/drawingml/2006/main" xmlns:r="http://schemas.openxmlformats.org/officeDocument/2006/relationships" xmlns:p="http://schemas.openxmlformats.org/presentationml/2006/main">
+  <p:cSld>
+    <p:spTree>
+      <p:nvGrpSpPr>
+        <p:cNvPr id="1" name=""/>
+        <p:cNvGrpSpPr/>
+        <p:nvPr/>
+      </p:nvGrpSpPr>
+      <p:grpSpPr>
+        <a:xfrm>
+          <a:off x="0" y="0"/>
+          <a:ext cx="0" cy="0"/>
+          <a:chOff x="0" y="0"/>
+          <a:chExt cx="0" cy="0"/>
+        </a:xfrm>
+      </p:grpSpPr>
+      <p:sp>
+        <p:nvSpPr>
+          <p:cNvPr id="2" name="Titel 1"/>
+          <p:cNvSpPr>
+            <a:spLocks noGrp="1"/>
+          </p:cNvSpPr>
+          <p:nvPr>
+            <p:ph type="ctrTitle"/>
+          </p:nvPr>
+        </p:nvSpPr>
+        <p:spPr>
+          <a:xfrm>
+            <a:off x="234628" y="305222"/>
+            <a:ext cx="7772400" cy="819522"/>
+          </a:xfrm>
+        </p:spPr>
+        <p:txBody>
+          <a:bodyPr>
+            <a:normAutofit/>
+          </a:bodyPr>
+          <a:lstStyle/>
+          <a:p>
+            <a:pPr algn="l"/>
+            <a:r>
+              <a:rPr lang="nl-NL" sz="3600" dirty="0" smtClean="0"/>
               <a:t>Wat </a:t>
             </a:r>
             <a:r>
@@ -3824,7 +4245,7 @@
 </p:sld>
 </file>
 
-<file path=ppt/slides/slide12.xml><?xml version="1.0" encoding="utf-8"?>
+<file path=ppt/slides/slide13.xml><?xml version="1.0" encoding="utf-8"?>
 <p:sld xmlns:a="http://schemas.openxmlformats.org/drawingml/2006/main" xmlns:r="http://schemas.openxmlformats.org/officeDocument/2006/relationships" xmlns:p="http://schemas.openxmlformats.org/presentationml/2006/main">
   <p:cSld>
     <p:spTree>
@@ -4115,7 +4536,6 @@
               <a:rPr lang="nl-NL" sz="1600" dirty="0" smtClean="0"/>
               <a:t>Vragen</a:t>
             </a:r>
-            <a:endParaRPr lang="nl-NL" sz="1600" dirty="0" smtClean="0"/>
           </a:p>
           <a:p>
             <a:pPr marL="355600" indent="-355600" algn="l">
@@ -4126,6 +4546,36 @@
           </a:p>
         </p:txBody>
       </p:sp>
+      <p:pic>
+        <p:nvPicPr>
+          <p:cNvPr id="4" name="Afbeelding 3" descr="Schermopname"/>
+          <p:cNvPicPr>
+            <a:picLocks noChangeAspect="1"/>
+          </p:cNvPicPr>
+          <p:nvPr/>
+        </p:nvPicPr>
+        <p:blipFill>
+          <a:blip r:embed="rId2">
+            <a:extLst>
+              <a:ext uri="{28A0092B-C50C-407E-A947-70E740481C1C}">
+                <a14:useLocalDpi xmlns:a14="http://schemas.microsoft.com/office/drawing/2010/main" val="0"/>
+              </a:ext>
+            </a:extLst>
+          </a:blip>
+          <a:stretch>
+            <a:fillRect/>
+          </a:stretch>
+        </p:blipFill>
+        <p:spPr>
+          <a:xfrm>
+            <a:off x="8028384" y="5311686"/>
+            <a:ext cx="1047896" cy="1524213"/>
+          </a:xfrm>
+          <a:prstGeom prst="rect">
+            <a:avLst/>
+          </a:prstGeom>
+        </p:spPr>
+      </p:pic>
     </p:spTree>
     <p:extLst>
       <p:ext uri="{BB962C8B-B14F-4D97-AF65-F5344CB8AC3E}">
@@ -4347,6 +4797,36 @@
           </a:p>
         </p:txBody>
       </p:sp>
+      <p:pic>
+        <p:nvPicPr>
+          <p:cNvPr id="3" name="Afbeelding 2" descr="Schermopname"/>
+          <p:cNvPicPr>
+            <a:picLocks noChangeAspect="1"/>
+          </p:cNvPicPr>
+          <p:nvPr/>
+        </p:nvPicPr>
+        <p:blipFill>
+          <a:blip r:embed="rId2">
+            <a:extLst>
+              <a:ext uri="{28A0092B-C50C-407E-A947-70E740481C1C}">
+                <a14:useLocalDpi xmlns:a14="http://schemas.microsoft.com/office/drawing/2010/main" val="0"/>
+              </a:ext>
+            </a:extLst>
+          </a:blip>
+          <a:stretch>
+            <a:fillRect/>
+          </a:stretch>
+        </p:blipFill>
+        <p:spPr>
+          <a:xfrm>
+            <a:off x="8028384" y="5281668"/>
+            <a:ext cx="1047896" cy="1514687"/>
+          </a:xfrm>
+          <a:prstGeom prst="rect">
+            <a:avLst/>
+          </a:prstGeom>
+        </p:spPr>
+      </p:pic>
     </p:spTree>
     <p:extLst>
       <p:ext uri="{BB962C8B-B14F-4D97-AF65-F5344CB8AC3E}">
@@ -4506,7 +4986,7 @@
           <a:p>
             <a:pPr algn="l"/>
             <a:r>
-              <a:rPr lang="nl-NL" sz="3600" dirty="0" smtClean="0"/>
+              <a:rPr lang="nl-NL" sz="3600" dirty="0"/>
               <a:t>Blackjack | Architectuur</a:t>
             </a:r>
             <a:endParaRPr lang="nl-NL" sz="3600" dirty="0"/>
@@ -4543,57 +5023,40 @@
           </a:fontRef>
         </p:style>
       </p:cxnSp>
-      <p:sp>
-        <p:nvSpPr>
-          <p:cNvPr id="9" name="Titel 1"/>
-          <p:cNvSpPr txBox="1">
-            <a:spLocks/>
-          </p:cNvSpPr>
+      <p:pic>
+        <p:nvPicPr>
+          <p:cNvPr id="4" name="Afbeelding 3"/>
+          <p:cNvPicPr>
+            <a:picLocks noChangeAspect="1"/>
+          </p:cNvPicPr>
           <p:nvPr/>
-        </p:nvSpPr>
-        <p:spPr>
-          <a:xfrm>
-            <a:off x="252239" y="1133852"/>
-            <a:ext cx="3931146" cy="409761"/>
+        </p:nvPicPr>
+        <p:blipFill>
+          <a:blip r:embed="rId2">
+            <a:extLst>
+              <a:ext uri="{28A0092B-C50C-407E-A947-70E740481C1C}">
+                <a14:useLocalDpi xmlns:a14="http://schemas.microsoft.com/office/drawing/2010/main" val="0"/>
+              </a:ext>
+            </a:extLst>
+          </a:blip>
+          <a:stretch>
+            <a:fillRect/>
+          </a:stretch>
+        </p:blipFill>
+        <p:spPr>
+          <a:xfrm>
+            <a:off x="336265" y="1628800"/>
+            <a:ext cx="8471470" cy="4253914"/>
           </a:xfrm>
           <a:prstGeom prst="rect">
             <a:avLst/>
           </a:prstGeom>
         </p:spPr>
-        <p:txBody>
-          <a:bodyPr vert="horz" lIns="91440" tIns="45720" rIns="91440" bIns="45720" rtlCol="0" anchor="ctr">
-            <a:normAutofit/>
-          </a:bodyPr>
-          <a:lstStyle>
-            <a:lvl1pPr algn="ctr" defTabSz="914400" rtl="0" eaLnBrk="1" latinLnBrk="0" hangingPunct="1">
-              <a:spcBef>
-                <a:spcPct val="0"/>
-              </a:spcBef>
-              <a:buNone/>
-              <a:defRPr sz="4400" kern="1200">
-                <a:solidFill>
-                  <a:schemeClr val="tx1"/>
-                </a:solidFill>
-                <a:latin typeface="+mj-lt"/>
-                <a:ea typeface="+mj-ea"/>
-                <a:cs typeface="+mj-cs"/>
-              </a:defRPr>
-            </a:lvl1pPr>
-          </a:lstStyle>
-          <a:p>
-            <a:pPr algn="l"/>
-            <a:r>
-              <a:rPr lang="nl-NL" sz="1600" dirty="0" err="1" smtClean="0"/>
-              <a:t>aaa</a:t>
-            </a:r>
-            <a:endParaRPr lang="nl-NL" sz="1600" dirty="0"/>
-          </a:p>
-        </p:txBody>
-      </p:sp>
+      </p:pic>
     </p:spTree>
     <p:extLst>
       <p:ext uri="{BB962C8B-B14F-4D97-AF65-F5344CB8AC3E}">
-        <p14:creationId xmlns:p14="http://schemas.microsoft.com/office/powerpoint/2010/main" val="1525704471"/>
+        <p14:creationId xmlns:p14="http://schemas.microsoft.com/office/powerpoint/2010/main" val="4076851388"/>
       </p:ext>
     </p:extLst>
   </p:cSld>
@@ -4611,6 +5074,137 @@
 </file>
 
 <file path=ppt/slides/slide6.xml><?xml version="1.0" encoding="utf-8"?>
+<p:sld xmlns:a="http://schemas.openxmlformats.org/drawingml/2006/main" xmlns:r="http://schemas.openxmlformats.org/officeDocument/2006/relationships" xmlns:p="http://schemas.openxmlformats.org/presentationml/2006/main">
+  <p:cSld>
+    <p:spTree>
+      <p:nvGrpSpPr>
+        <p:cNvPr id="1" name=""/>
+        <p:cNvGrpSpPr/>
+        <p:nvPr/>
+      </p:nvGrpSpPr>
+      <p:grpSpPr>
+        <a:xfrm>
+          <a:off x="0" y="0"/>
+          <a:ext cx="0" cy="0"/>
+          <a:chOff x="0" y="0"/>
+          <a:chExt cx="0" cy="0"/>
+        </a:xfrm>
+      </p:grpSpPr>
+      <p:sp>
+        <p:nvSpPr>
+          <p:cNvPr id="2" name="Titel 1"/>
+          <p:cNvSpPr>
+            <a:spLocks noGrp="1"/>
+          </p:cNvSpPr>
+          <p:nvPr>
+            <p:ph type="ctrTitle"/>
+          </p:nvPr>
+        </p:nvSpPr>
+        <p:spPr>
+          <a:xfrm>
+            <a:off x="234628" y="305222"/>
+            <a:ext cx="7772400" cy="819522"/>
+          </a:xfrm>
+        </p:spPr>
+        <p:txBody>
+          <a:bodyPr>
+            <a:normAutofit/>
+          </a:bodyPr>
+          <a:lstStyle/>
+          <a:p>
+            <a:pPr algn="l"/>
+            <a:r>
+              <a:rPr lang="nl-NL" sz="3600" dirty="0"/>
+              <a:t>Blackjack | Architectuur</a:t>
+            </a:r>
+            <a:endParaRPr lang="nl-NL" sz="3600" dirty="0"/>
+          </a:p>
+        </p:txBody>
+      </p:sp>
+      <p:cxnSp>
+        <p:nvCxnSpPr>
+          <p:cNvPr id="5" name="Rechte verbindingslijn 4"/>
+          <p:cNvCxnSpPr/>
+          <p:nvPr/>
+        </p:nvCxnSpPr>
+        <p:spPr>
+          <a:xfrm>
+            <a:off x="323528" y="1052736"/>
+            <a:ext cx="8568952" cy="0"/>
+          </a:xfrm>
+          <a:prstGeom prst="line">
+            <a:avLst/>
+          </a:prstGeom>
+        </p:spPr>
+        <p:style>
+          <a:lnRef idx="1">
+            <a:schemeClr val="accent1"/>
+          </a:lnRef>
+          <a:fillRef idx="0">
+            <a:schemeClr val="accent1"/>
+          </a:fillRef>
+          <a:effectRef idx="0">
+            <a:schemeClr val="accent1"/>
+          </a:effectRef>
+          <a:fontRef idx="minor">
+            <a:schemeClr val="tx1"/>
+          </a:fontRef>
+        </p:style>
+      </p:cxnSp>
+      <p:pic>
+        <p:nvPicPr>
+          <p:cNvPr id="3" name="Afbeelding 2"/>
+          <p:cNvPicPr>
+            <a:picLocks noChangeAspect="1"/>
+          </p:cNvPicPr>
+          <p:nvPr/>
+        </p:nvPicPr>
+        <p:blipFill>
+          <a:blip r:embed="rId2">
+            <a:extLst>
+              <a:ext uri="{28A0092B-C50C-407E-A947-70E740481C1C}">
+                <a14:useLocalDpi xmlns:a14="http://schemas.microsoft.com/office/drawing/2010/main" val="0"/>
+              </a:ext>
+            </a:extLst>
+          </a:blip>
+          <a:stretch>
+            <a:fillRect/>
+          </a:stretch>
+        </p:blipFill>
+        <p:spPr>
+          <a:xfrm>
+            <a:off x="2219583" y="1258155"/>
+            <a:ext cx="4704835" cy="5267189"/>
+          </a:xfrm>
+          <a:prstGeom prst="rect">
+            <a:avLst/>
+          </a:prstGeom>
+          <a:ln>
+            <a:noFill/>
+          </a:ln>
+        </p:spPr>
+      </p:pic>
+    </p:spTree>
+    <p:extLst>
+      <p:ext uri="{BB962C8B-B14F-4D97-AF65-F5344CB8AC3E}">
+        <p14:creationId xmlns:p14="http://schemas.microsoft.com/office/powerpoint/2010/main" val="3734086246"/>
+      </p:ext>
+    </p:extLst>
+  </p:cSld>
+  <p:clrMapOvr>
+    <a:masterClrMapping/>
+  </p:clrMapOvr>
+  <p:timing>
+    <p:tnLst>
+      <p:par>
+        <p:cTn id="1" dur="indefinite" restart="never" nodeType="tmRoot"/>
+      </p:par>
+    </p:tnLst>
+  </p:timing>
+</p:sld>
+</file>
+
+<file path=ppt/slides/slide7.xml><?xml version="1.0" encoding="utf-8"?>
 <p:sld xmlns:a="http://schemas.openxmlformats.org/drawingml/2006/main" xmlns:r="http://schemas.openxmlformats.org/officeDocument/2006/relationships" xmlns:p="http://schemas.openxmlformats.org/presentationml/2006/main">
   <p:cSld>
     <p:spTree>
@@ -4708,7 +5302,7 @@
 </p:sld>
 </file>
 
-<file path=ppt/slides/slide7.xml><?xml version="1.0" encoding="utf-8"?>
+<file path=ppt/slides/slide8.xml><?xml version="1.0" encoding="utf-8"?>
 <p:sld xmlns:a="http://schemas.openxmlformats.org/drawingml/2006/main" xmlns:r="http://schemas.openxmlformats.org/officeDocument/2006/relationships" xmlns:p="http://schemas.openxmlformats.org/presentationml/2006/main">
   <p:cSld>
     <p:spTree>
@@ -4884,10 +5478,10 @@
           <a:p>
             <a:pPr algn="l"/>
             <a:r>
-              <a:rPr lang="nl-NL" sz="1600" dirty="0" smtClean="0"/>
+              <a:rPr lang="nl-NL" sz="2000" dirty="0" smtClean="0"/>
               <a:t>Een stukje code van de poker AI </a:t>
             </a:r>
-            <a:endParaRPr lang="nl-NL" sz="1600" dirty="0"/>
+            <a:endParaRPr lang="nl-NL" sz="2000" dirty="0"/>
           </a:p>
         </p:txBody>
       </p:sp>
@@ -4931,10 +5525,10 @@
           <a:p>
             <a:pPr algn="l"/>
             <a:r>
-              <a:rPr lang="nl-NL" sz="1600" dirty="0" smtClean="0"/>
+              <a:rPr lang="nl-NL" sz="2000" dirty="0" smtClean="0"/>
               <a:t>Hoe sterk is je hand?</a:t>
             </a:r>
-            <a:endParaRPr lang="nl-NL" sz="1600" dirty="0"/>
+            <a:endParaRPr lang="nl-NL" sz="2000" dirty="0"/>
           </a:p>
         </p:txBody>
       </p:sp>
@@ -5280,7 +5874,7 @@
 </p:sld>
 </file>
 
-<file path=ppt/slides/slide8.xml><?xml version="1.0" encoding="utf-8"?>
+<file path=ppt/slides/slide9.xml><?xml version="1.0" encoding="utf-8"?>
 <p:sld xmlns:a="http://schemas.openxmlformats.org/drawingml/2006/main" xmlns:r="http://schemas.openxmlformats.org/officeDocument/2006/relationships" xmlns:p="http://schemas.openxmlformats.org/presentationml/2006/main">
   <p:cSld>
     <p:spTree>
@@ -5426,8 +6020,8 @@
         </p:nvSpPr>
         <p:spPr>
           <a:xfrm>
-            <a:off x="252239" y="1133852"/>
-            <a:ext cx="3931146" cy="409761"/>
+            <a:off x="252238" y="1133852"/>
+            <a:ext cx="8591531" cy="409761"/>
           </a:xfrm>
           <a:prstGeom prst="rect">
             <a:avLst/>
@@ -5435,7 +6029,7 @@
         </p:spPr>
         <p:txBody>
           <a:bodyPr vert="horz" lIns="91440" tIns="45720" rIns="91440" bIns="45720" rtlCol="0" anchor="ctr">
-            <a:normAutofit fontScale="77500" lnSpcReduction="20000"/>
+            <a:noAutofit/>
           </a:bodyPr>
           <a:lstStyle>
             <a:lvl1pPr algn="ctr" defTabSz="914400" rtl="0" eaLnBrk="1" latinLnBrk="0" hangingPunct="1">
@@ -5456,22 +6050,22 @@
           <a:p>
             <a:pPr algn="l"/>
             <a:r>
-              <a:rPr lang="nl-NL" sz="1600" dirty="0" smtClean="0"/>
+              <a:rPr lang="nl-NL" sz="2000" dirty="0" smtClean="0"/>
               <a:t>De </a:t>
             </a:r>
             <a:r>
-              <a:rPr lang="nl-NL" sz="1600" dirty="0" err="1" smtClean="0"/>
+              <a:rPr lang="nl-NL" sz="2000" dirty="0" err="1" smtClean="0"/>
               <a:t>getScore</a:t>
             </a:r>
             <a:r>
-              <a:rPr lang="nl-NL" sz="1600" dirty="0" smtClean="0"/>
+              <a:rPr lang="nl-NL" sz="2000" dirty="0" smtClean="0"/>
               <a:t> functie hebben wij uitgebreid getest met </a:t>
             </a:r>
             <a:r>
-              <a:rPr lang="nl-NL" sz="1600" dirty="0" err="1" smtClean="0"/>
+              <a:rPr lang="nl-NL" sz="2000" dirty="0" err="1" smtClean="0"/>
               <a:t>JUnit</a:t>
             </a:r>
-            <a:endParaRPr lang="nl-NL" sz="1600" dirty="0"/>
+            <a:endParaRPr lang="nl-NL" sz="2000" dirty="0"/>
           </a:p>
         </p:txBody>
       </p:sp>
@@ -5525,104 +6119,6 @@
     <p:extLst>
       <p:ext uri="{BB962C8B-B14F-4D97-AF65-F5344CB8AC3E}">
         <p14:creationId xmlns:p14="http://schemas.microsoft.com/office/powerpoint/2010/main" val="4030620261"/>
-      </p:ext>
-    </p:extLst>
-  </p:cSld>
-  <p:clrMapOvr>
-    <a:masterClrMapping/>
-  </p:clrMapOvr>
-  <p:timing>
-    <p:tnLst>
-      <p:par>
-        <p:cTn id="1" dur="indefinite" restart="never" nodeType="tmRoot"/>
-      </p:par>
-    </p:tnLst>
-  </p:timing>
-</p:sld>
-</file>
-
-<file path=ppt/slides/slide9.xml><?xml version="1.0" encoding="utf-8"?>
-<p:sld xmlns:a="http://schemas.openxmlformats.org/drawingml/2006/main" xmlns:r="http://schemas.openxmlformats.org/officeDocument/2006/relationships" xmlns:p="http://schemas.openxmlformats.org/presentationml/2006/main">
-  <p:cSld>
-    <p:spTree>
-      <p:nvGrpSpPr>
-        <p:cNvPr id="1" name=""/>
-        <p:cNvGrpSpPr/>
-        <p:nvPr/>
-      </p:nvGrpSpPr>
-      <p:grpSpPr>
-        <a:xfrm>
-          <a:off x="0" y="0"/>
-          <a:ext cx="0" cy="0"/>
-          <a:chOff x="0" y="0"/>
-          <a:chExt cx="0" cy="0"/>
-        </a:xfrm>
-      </p:grpSpPr>
-      <p:sp>
-        <p:nvSpPr>
-          <p:cNvPr id="2" name="Titel 1"/>
-          <p:cNvSpPr>
-            <a:spLocks noGrp="1"/>
-          </p:cNvSpPr>
-          <p:nvPr>
-            <p:ph type="ctrTitle"/>
-          </p:nvPr>
-        </p:nvSpPr>
-        <p:spPr>
-          <a:xfrm>
-            <a:off x="234628" y="2670820"/>
-            <a:ext cx="7772400" cy="819522"/>
-          </a:xfrm>
-        </p:spPr>
-        <p:txBody>
-          <a:bodyPr>
-            <a:normAutofit/>
-          </a:bodyPr>
-          <a:lstStyle/>
-          <a:p>
-            <a:pPr algn="l"/>
-            <a:r>
-              <a:rPr lang="nl-NL" sz="3600" dirty="0" smtClean="0"/>
-              <a:t>Klaverjassen</a:t>
-            </a:r>
-            <a:endParaRPr lang="nl-NL" sz="3600" dirty="0"/>
-          </a:p>
-        </p:txBody>
-      </p:sp>
-      <p:cxnSp>
-        <p:nvCxnSpPr>
-          <p:cNvPr id="5" name="Rechte verbindingslijn 4"/>
-          <p:cNvCxnSpPr/>
-          <p:nvPr/>
-        </p:nvCxnSpPr>
-        <p:spPr>
-          <a:xfrm>
-            <a:off x="323528" y="3418334"/>
-            <a:ext cx="8568952" cy="0"/>
-          </a:xfrm>
-          <a:prstGeom prst="line">
-            <a:avLst/>
-          </a:prstGeom>
-        </p:spPr>
-        <p:style>
-          <a:lnRef idx="1">
-            <a:schemeClr val="accent1"/>
-          </a:lnRef>
-          <a:fillRef idx="0">
-            <a:schemeClr val="accent1"/>
-          </a:fillRef>
-          <a:effectRef idx="0">
-            <a:schemeClr val="accent1"/>
-          </a:effectRef>
-          <a:fontRef idx="minor">
-            <a:schemeClr val="tx1"/>
-          </a:fontRef>
-        </p:style>
-      </p:cxnSp>
-    </p:spTree>
-    <p:extLst>
-      <p:ext uri="{BB962C8B-B14F-4D97-AF65-F5344CB8AC3E}">
-        <p14:creationId xmlns:p14="http://schemas.microsoft.com/office/powerpoint/2010/main" val="752208778"/>
       </p:ext>
     </p:extLst>
   </p:cSld>

--- a/Case presentatie~4.pptx
+++ b/Case presentatie~4.pptx
@@ -3106,6 +3106,42 @@
           <a:chExt cx="0" cy="0"/>
         </a:xfrm>
       </p:grpSpPr>
+      <p:pic>
+        <p:nvPicPr>
+          <p:cNvPr id="1026" name="Picture 2"/>
+          <p:cNvPicPr>
+            <a:picLocks noChangeAspect="1" noChangeArrowheads="1"/>
+          </p:cNvPicPr>
+          <p:nvPr/>
+        </p:nvPicPr>
+        <p:blipFill>
+          <a:blip r:embed="rId2">
+            <a:extLst>
+              <a:ext uri="{28A0092B-C50C-407E-A947-70E740481C1C}">
+                <a14:useLocalDpi xmlns:a14="http://schemas.microsoft.com/office/drawing/2010/main" val="0"/>
+              </a:ext>
+            </a:extLst>
+          </a:blip>
+          <a:srcRect/>
+          <a:stretch>
+            <a:fillRect/>
+          </a:stretch>
+        </p:blipFill>
+        <p:spPr bwMode="auto">
+          <a:xfrm>
+            <a:off x="7736326" y="4940374"/>
+            <a:ext cx="1407674" cy="1916832"/>
+          </a:xfrm>
+          <a:prstGeom prst="rect">
+            <a:avLst/>
+          </a:prstGeom>
+          <a:noFill/>
+          <a:ln>
+            <a:noFill/>
+          </a:ln>
+          <a:effectLst/>
+        </p:spPr>
+      </p:pic>
       <p:sp>
         <p:nvSpPr>
           <p:cNvPr id="2" name="Titel 1"/>
@@ -3123,7 +3159,7 @@
           <a:p>
             <a:r>
               <a:rPr lang="nl-NL" dirty="0" smtClean="0"/>
-              <a:t>Case presentatie</a:t>
+              <a:t>Kaartspellen online</a:t>
             </a:r>
             <a:endParaRPr lang="nl-NL" dirty="0"/>
           </a:p>
@@ -3152,6 +3188,114 @@
           </a:p>
         </p:txBody>
       </p:sp>
+      <p:pic>
+        <p:nvPicPr>
+          <p:cNvPr id="5" name="Picture 2"/>
+          <p:cNvPicPr>
+            <a:picLocks noChangeAspect="1" noChangeArrowheads="1"/>
+          </p:cNvPicPr>
+          <p:nvPr/>
+        </p:nvPicPr>
+        <p:blipFill>
+          <a:blip r:embed="rId2">
+            <a:extLst>
+              <a:ext uri="{28A0092B-C50C-407E-A947-70E740481C1C}">
+                <a14:useLocalDpi xmlns:a14="http://schemas.microsoft.com/office/drawing/2010/main" val="0"/>
+              </a:ext>
+            </a:extLst>
+          </a:blip>
+          <a:srcRect/>
+          <a:stretch>
+            <a:fillRect/>
+          </a:stretch>
+        </p:blipFill>
+        <p:spPr bwMode="auto">
+          <a:xfrm>
+            <a:off x="7736326" y="0"/>
+            <a:ext cx="1407674" cy="1916832"/>
+          </a:xfrm>
+          <a:prstGeom prst="rect">
+            <a:avLst/>
+          </a:prstGeom>
+          <a:noFill/>
+          <a:ln>
+            <a:noFill/>
+          </a:ln>
+          <a:effectLst/>
+        </p:spPr>
+      </p:pic>
+      <p:pic>
+        <p:nvPicPr>
+          <p:cNvPr id="6" name="Picture 2"/>
+          <p:cNvPicPr>
+            <a:picLocks noChangeAspect="1" noChangeArrowheads="1"/>
+          </p:cNvPicPr>
+          <p:nvPr/>
+        </p:nvPicPr>
+        <p:blipFill>
+          <a:blip r:embed="rId2">
+            <a:extLst>
+              <a:ext uri="{28A0092B-C50C-407E-A947-70E740481C1C}">
+                <a14:useLocalDpi xmlns:a14="http://schemas.microsoft.com/office/drawing/2010/main" val="0"/>
+              </a:ext>
+            </a:extLst>
+          </a:blip>
+          <a:srcRect/>
+          <a:stretch>
+            <a:fillRect/>
+          </a:stretch>
+        </p:blipFill>
+        <p:spPr bwMode="auto">
+          <a:xfrm>
+            <a:off x="9847" y="0"/>
+            <a:ext cx="1407674" cy="1916832"/>
+          </a:xfrm>
+          <a:prstGeom prst="rect">
+            <a:avLst/>
+          </a:prstGeom>
+          <a:noFill/>
+          <a:ln>
+            <a:noFill/>
+          </a:ln>
+          <a:effectLst/>
+        </p:spPr>
+      </p:pic>
+      <p:pic>
+        <p:nvPicPr>
+          <p:cNvPr id="7" name="Picture 2"/>
+          <p:cNvPicPr>
+            <a:picLocks noChangeAspect="1" noChangeArrowheads="1"/>
+          </p:cNvPicPr>
+          <p:nvPr/>
+        </p:nvPicPr>
+        <p:blipFill>
+          <a:blip r:embed="rId2">
+            <a:extLst>
+              <a:ext uri="{28A0092B-C50C-407E-A947-70E740481C1C}">
+                <a14:useLocalDpi xmlns:a14="http://schemas.microsoft.com/office/drawing/2010/main" val="0"/>
+              </a:ext>
+            </a:extLst>
+          </a:blip>
+          <a:srcRect/>
+          <a:stretch>
+            <a:fillRect/>
+          </a:stretch>
+        </p:blipFill>
+        <p:spPr bwMode="auto">
+          <a:xfrm>
+            <a:off x="9847" y="4917926"/>
+            <a:ext cx="1407674" cy="1916832"/>
+          </a:xfrm>
+          <a:prstGeom prst="rect">
+            <a:avLst/>
+          </a:prstGeom>
+          <a:noFill/>
+          <a:ln>
+            <a:noFill/>
+          </a:ln>
+          <a:effectLst/>
+        </p:spPr>
+      </p:pic>
     </p:spTree>
     <p:extLst>
       <p:ext uri="{BB962C8B-B14F-4D97-AF65-F5344CB8AC3E}">
@@ -4115,7 +4259,6 @@
               <a:rPr lang="nl-NL" sz="1600" dirty="0" smtClean="0"/>
               <a:t>Vragen</a:t>
             </a:r>
-            <a:endParaRPr lang="nl-NL" sz="1600" dirty="0" smtClean="0"/>
           </a:p>
           <a:p>
             <a:pPr marL="355600" indent="-355600" algn="l">
